--- a/presentation files/AI Content Creation.pptx
+++ b/presentation files/AI Content Creation.pptx
@@ -4501,8 +4501,8 @@
         </p:nvSpPr>
         <p:spPr bwMode="auto">
           <a:xfrm flipH="0" flipV="0">
-            <a:off x="1181777" y="992971"/>
-            <a:ext cx="10482179" cy="427079"/>
+            <a:off x="1181776" y="992970"/>
+            <a:ext cx="10491178" cy="427079"/>
           </a:xfrm>
           <a:prstGeom prst="rect">
             <a:avLst/>
@@ -4519,7 +4519,7 @@
             </a:pPr>
             <a:r>
               <a:rPr sz="2200"/>
-              <a:t>AI Content Creation</a:t>
+              <a:t>AI Content Creation: Data Collection Stage</a:t>
             </a:r>
             <a:endParaRPr sz="2200"/>
           </a:p>
@@ -4840,6 +4840,38 @@
           </a:prstGeom>
         </p:spPr>
       </p:pic>
+      <p:sp>
+        <p:nvSpPr>
+          <p:cNvPr id="2015145319" name=""/>
+          <p:cNvSpPr txBox="1"/>
+          <p:nvPr/>
+        </p:nvSpPr>
+        <p:spPr bwMode="auto">
+          <a:xfrm flipH="0" flipV="0">
+            <a:off x="10898763" y="-35826"/>
+            <a:ext cx="1283949" cy="366119"/>
+          </a:xfrm>
+          <a:prstGeom prst="rect">
+            <a:avLst/>
+          </a:prstGeom>
+          <a:noFill/>
+        </p:spPr>
+        <p:txBody>
+          <a:bodyPr vertOverflow="overflow" horzOverflow="overflow" vert="horz" wrap="square" lIns="91440" tIns="45720" rIns="91440" bIns="45720" numCol="1" spcCol="0" rtlCol="0" fromWordArt="0" anchor="t" anchorCtr="0" forceAA="0" upright="0" compatLnSpc="0">
+            <a:spAutoFit/>
+          </a:bodyPr>
+          <a:p>
+            <a:pPr>
+              <a:defRPr/>
+            </a:pPr>
+            <a:r>
+              <a:rPr/>
+              <a:t>Zaw May</a:t>
+            </a:r>
+            <a:endParaRPr/>
+          </a:p>
+        </p:txBody>
+      </p:sp>
     </p:spTree>
   </p:cSld>
   <p:clrMapOvr>
@@ -5654,6 +5686,38 @@
               <a:t>Kinds of data to be collected</a:t>
             </a:r>
             <a:endParaRPr u="sng"/>
+          </a:p>
+        </p:txBody>
+      </p:sp>
+      <p:sp>
+        <p:nvSpPr>
+          <p:cNvPr id="1830140676" name=""/>
+          <p:cNvSpPr txBox="1"/>
+          <p:nvPr/>
+        </p:nvSpPr>
+        <p:spPr bwMode="auto">
+          <a:xfrm flipH="0" flipV="0">
+            <a:off x="10898763" y="-35825"/>
+            <a:ext cx="1284309" cy="366119"/>
+          </a:xfrm>
+          <a:prstGeom prst="rect">
+            <a:avLst/>
+          </a:prstGeom>
+          <a:noFill/>
+        </p:spPr>
+        <p:txBody>
+          <a:bodyPr vertOverflow="overflow" horzOverflow="overflow" vert="horz" wrap="square" lIns="91440" tIns="45720" rIns="91440" bIns="45720" numCol="1" spcCol="0" rtlCol="0" fromWordArt="0" anchor="t" anchorCtr="0" forceAA="0" upright="0" compatLnSpc="0">
+            <a:spAutoFit/>
+          </a:bodyPr>
+          <a:p>
+            <a:pPr>
+              <a:defRPr/>
+            </a:pPr>
+            <a:r>
+              <a:rPr/>
+              <a:t>Zaw May</a:t>
+            </a:r>
+            <a:endParaRPr/>
           </a:p>
         </p:txBody>
       </p:sp>
